--- a/docs/diagrams/StorageComponentClassDiagram.pptx
+++ b/docs/diagrams/StorageComponentClassDiagram.pptx
@@ -192,7 +192,7 @@
           <a:p>
             <a:fld id="{F5CC4B3F-88C1-4FFA-B1B6-F41C21DC6924}" type="datetimeFigureOut">
               <a:rPr lang="en-US" smtClean="0"/>
-              <a:t>10/16/2016</a:t>
+              <a:t>3/17/2018</a:t>
             </a:fld>
             <a:endParaRPr lang="en-US"/>
           </a:p>
@@ -641,7 +641,7 @@
           <a:p>
             <a:fld id="{78C97017-6FC3-485B-9764-EAC9E56C1D49}" type="datetimeFigureOut">
               <a:rPr lang="en-US" smtClean="0"/>
-              <a:t>10/16/2016</a:t>
+              <a:t>3/17/2018</a:t>
             </a:fld>
             <a:endParaRPr lang="en-US"/>
           </a:p>
@@ -811,7 +811,7 @@
           <a:p>
             <a:fld id="{78C97017-6FC3-485B-9764-EAC9E56C1D49}" type="datetimeFigureOut">
               <a:rPr lang="en-US" smtClean="0"/>
-              <a:t>10/16/2016</a:t>
+              <a:t>3/17/2018</a:t>
             </a:fld>
             <a:endParaRPr lang="en-US"/>
           </a:p>
@@ -991,7 +991,7 @@
           <a:p>
             <a:fld id="{78C97017-6FC3-485B-9764-EAC9E56C1D49}" type="datetimeFigureOut">
               <a:rPr lang="en-US" smtClean="0"/>
-              <a:t>10/16/2016</a:t>
+              <a:t>3/17/2018</a:t>
             </a:fld>
             <a:endParaRPr lang="en-US"/>
           </a:p>
@@ -1161,7 +1161,7 @@
           <a:p>
             <a:fld id="{78C97017-6FC3-485B-9764-EAC9E56C1D49}" type="datetimeFigureOut">
               <a:rPr lang="en-US" smtClean="0"/>
-              <a:t>10/16/2016</a:t>
+              <a:t>3/17/2018</a:t>
             </a:fld>
             <a:endParaRPr lang="en-US"/>
           </a:p>
@@ -1407,7 +1407,7 @@
           <a:p>
             <a:fld id="{78C97017-6FC3-485B-9764-EAC9E56C1D49}" type="datetimeFigureOut">
               <a:rPr lang="en-US" smtClean="0"/>
-              <a:t>10/16/2016</a:t>
+              <a:t>3/17/2018</a:t>
             </a:fld>
             <a:endParaRPr lang="en-US"/>
           </a:p>
@@ -1695,7 +1695,7 @@
           <a:p>
             <a:fld id="{78C97017-6FC3-485B-9764-EAC9E56C1D49}" type="datetimeFigureOut">
               <a:rPr lang="en-US" smtClean="0"/>
-              <a:t>10/16/2016</a:t>
+              <a:t>3/17/2018</a:t>
             </a:fld>
             <a:endParaRPr lang="en-US"/>
           </a:p>
@@ -2117,7 +2117,7 @@
           <a:p>
             <a:fld id="{78C97017-6FC3-485B-9764-EAC9E56C1D49}" type="datetimeFigureOut">
               <a:rPr lang="en-US" smtClean="0"/>
-              <a:t>10/16/2016</a:t>
+              <a:t>3/17/2018</a:t>
             </a:fld>
             <a:endParaRPr lang="en-US"/>
           </a:p>
@@ -2235,7 +2235,7 @@
           <a:p>
             <a:fld id="{78C97017-6FC3-485B-9764-EAC9E56C1D49}" type="datetimeFigureOut">
               <a:rPr lang="en-US" smtClean="0"/>
-              <a:t>10/16/2016</a:t>
+              <a:t>3/17/2018</a:t>
             </a:fld>
             <a:endParaRPr lang="en-US"/>
           </a:p>
@@ -2330,7 +2330,7 @@
           <a:p>
             <a:fld id="{78C97017-6FC3-485B-9764-EAC9E56C1D49}" type="datetimeFigureOut">
               <a:rPr lang="en-US" smtClean="0"/>
-              <a:t>10/16/2016</a:t>
+              <a:t>3/17/2018</a:t>
             </a:fld>
             <a:endParaRPr lang="en-US"/>
           </a:p>
@@ -2607,7 +2607,7 @@
           <a:p>
             <a:fld id="{78C97017-6FC3-485B-9764-EAC9E56C1D49}" type="datetimeFigureOut">
               <a:rPr lang="en-US" smtClean="0"/>
-              <a:t>10/16/2016</a:t>
+              <a:t>3/17/2018</a:t>
             </a:fld>
             <a:endParaRPr lang="en-US"/>
           </a:p>
@@ -2860,7 +2860,7 @@
           <a:p>
             <a:fld id="{78C97017-6FC3-485B-9764-EAC9E56C1D49}" type="datetimeFigureOut">
               <a:rPr lang="en-US" smtClean="0"/>
-              <a:t>10/16/2016</a:t>
+              <a:t>3/17/2018</a:t>
             </a:fld>
             <a:endParaRPr lang="en-US"/>
           </a:p>
@@ -3073,7 +3073,7 @@
           <a:p>
             <a:fld id="{78C97017-6FC3-485B-9764-EAC9E56C1D49}" type="datetimeFigureOut">
               <a:rPr lang="en-US" smtClean="0"/>
-              <a:t>10/16/2016</a:t>
+              <a:t>3/17/2018</a:t>
             </a:fld>
             <a:endParaRPr lang="en-US"/>
           </a:p>
@@ -3581,7 +3581,7 @@
                   <a:schemeClr val="bg1"/>
                 </a:solidFill>
               </a:rPr>
-              <a:t>AddressBookStorage</a:t>
+              <a:t>ClubBookStorage</a:t>
             </a:r>
             <a:endParaRPr lang="en-SG" sz="1050" dirty="0">
               <a:solidFill>
@@ -4154,7 +4154,7 @@
                   </a:schemeClr>
                 </a:solidFill>
               </a:rPr>
-              <a:t>XmlAddressBook</a:t>
+              <a:t>XmlClubBook</a:t>
             </a:r>
             <a:r>
               <a:rPr lang="en-US" sz="1050" b="1" dirty="0" smtClean="0">
@@ -4627,7 +4627,7 @@
                   </a:schemeClr>
                 </a:solidFill>
               </a:rPr>
-              <a:t>AddressBook</a:t>
+              <a:t>ClubBook</a:t>
             </a:r>
             <a:endParaRPr lang="en-SG" sz="1050" b="1" dirty="0">
               <a:solidFill>
@@ -4780,7 +4780,27 @@
                   </a:schemeClr>
                 </a:solidFill>
               </a:rPr>
-              <a:t>XmlAdaptedPerson</a:t>
+              <a:t>XmlAdapted</a:t>
+            </a:r>
+            <a:endParaRPr lang="en-US" sz="1050" b="1" smtClean="0">
+              <a:solidFill>
+                <a:schemeClr val="accent6">
+                  <a:lumMod val="75000"/>
+                </a:schemeClr>
+              </a:solidFill>
+            </a:endParaRPr>
+          </a:p>
+          <a:p>
+            <a:pPr algn="ctr"/>
+            <a:r>
+              <a:rPr lang="en-US" sz="1050" b="1" smtClean="0">
+                <a:solidFill>
+                  <a:schemeClr val="accent6">
+                    <a:lumMod val="75000"/>
+                  </a:schemeClr>
+                </a:solidFill>
+              </a:rPr>
+              <a:t>Member</a:t>
             </a:r>
             <a:endParaRPr lang="en-SG" sz="1050" b="1" dirty="0">
               <a:solidFill>

--- a/docs/diagrams/StorageComponentClassDiagram.pptx
+++ b/docs/diagrams/StorageComponentClassDiagram.pptx
@@ -107,6 +107,22 @@
       </a:defRPr>
     </a:lvl9pPr>
   </p:defaultTextStyle>
+  <p:extLst>
+    <p:ext uri="{EFAFB233-063F-42B5-8137-9DF3F51BA10A}">
+      <p15:sldGuideLst xmlns:p15="http://schemas.microsoft.com/office/powerpoint/2012/main">
+        <p15:guide id="1" orient="horz" pos="1488">
+          <p15:clr>
+            <a:srgbClr val="A4A3A4"/>
+          </p15:clr>
+        </p15:guide>
+        <p15:guide id="2" pos="2880">
+          <p15:clr>
+            <a:srgbClr val="A4A3A4"/>
+          </p15:clr>
+        </p15:guide>
+      </p15:sldGuideLst>
+    </p:ext>
+  </p:extLst>
 </p:presentation>
 </file>
 
@@ -192,7 +208,7 @@
           <a:p>
             <a:fld id="{F5CC4B3F-88C1-4FFA-B1B6-F41C21DC6924}" type="datetimeFigureOut">
               <a:rPr lang="en-US" smtClean="0"/>
-              <a:t>3/17/2018</a:t>
+              <a:t>15-Apr-18</a:t>
             </a:fld>
             <a:endParaRPr lang="en-US"/>
           </a:p>
@@ -256,38 +272,37 @@
           <a:p>
             <a:pPr lvl="0"/>
             <a:r>
-              <a:rPr lang="en-US" smtClean="0"/>
+              <a:rPr lang="en-US"/>
               <a:t>Click to edit Master text styles</a:t>
             </a:r>
           </a:p>
           <a:p>
             <a:pPr lvl="1"/>
             <a:r>
-              <a:rPr lang="en-US" smtClean="0"/>
+              <a:rPr lang="en-US"/>
               <a:t>Second level</a:t>
             </a:r>
           </a:p>
           <a:p>
             <a:pPr lvl="2"/>
             <a:r>
-              <a:rPr lang="en-US" smtClean="0"/>
+              <a:rPr lang="en-US"/>
               <a:t>Third level</a:t>
             </a:r>
           </a:p>
           <a:p>
             <a:pPr lvl="3"/>
             <a:r>
-              <a:rPr lang="en-US" smtClean="0"/>
+              <a:rPr lang="en-US"/>
               <a:t>Fourth level</a:t>
             </a:r>
           </a:p>
           <a:p>
             <a:pPr lvl="4"/>
             <a:r>
-              <a:rPr lang="en-US" smtClean="0"/>
+              <a:rPr lang="en-US"/>
               <a:t>Fifth level</a:t>
             </a:r>
-            <a:endParaRPr lang="en-US"/>
           </a:p>
         </p:txBody>
       </p:sp>
@@ -498,10 +513,9 @@
           <a:lstStyle/>
           <a:p>
             <a:r>
-              <a:rPr lang="en-US" smtClean="0"/>
+              <a:rPr lang="en-US"/>
               <a:t>Click to edit Master title style</a:t>
             </a:r>
-            <a:endParaRPr lang="en-US"/>
           </a:p>
         </p:txBody>
       </p:sp>
@@ -617,10 +631,9 @@
           </a:lstStyle>
           <a:p>
             <a:r>
-              <a:rPr lang="en-US" smtClean="0"/>
+              <a:rPr lang="en-US"/>
               <a:t>Click to edit Master subtitle style</a:t>
             </a:r>
-            <a:endParaRPr lang="en-US"/>
           </a:p>
         </p:txBody>
       </p:sp>
@@ -641,7 +654,7 @@
           <a:p>
             <a:fld id="{78C97017-6FC3-485B-9764-EAC9E56C1D49}" type="datetimeFigureOut">
               <a:rPr lang="en-US" smtClean="0"/>
-              <a:t>3/17/2018</a:t>
+              <a:t>15-Apr-18</a:t>
             </a:fld>
             <a:endParaRPr lang="en-US"/>
           </a:p>
@@ -735,10 +748,9 @@
           <a:lstStyle/>
           <a:p>
             <a:r>
-              <a:rPr lang="en-US" smtClean="0"/>
+              <a:rPr lang="en-US"/>
               <a:t>Click to edit Master title style</a:t>
             </a:r>
-            <a:endParaRPr lang="en-US"/>
           </a:p>
         </p:txBody>
       </p:sp>
@@ -759,38 +771,37 @@
           <a:p>
             <a:pPr lvl="0"/>
             <a:r>
-              <a:rPr lang="en-US" smtClean="0"/>
+              <a:rPr lang="en-US"/>
               <a:t>Click to edit Master text styles</a:t>
             </a:r>
           </a:p>
           <a:p>
             <a:pPr lvl="1"/>
             <a:r>
-              <a:rPr lang="en-US" smtClean="0"/>
+              <a:rPr lang="en-US"/>
               <a:t>Second level</a:t>
             </a:r>
           </a:p>
           <a:p>
             <a:pPr lvl="2"/>
             <a:r>
-              <a:rPr lang="en-US" smtClean="0"/>
+              <a:rPr lang="en-US"/>
               <a:t>Third level</a:t>
             </a:r>
           </a:p>
           <a:p>
             <a:pPr lvl="3"/>
             <a:r>
-              <a:rPr lang="en-US" smtClean="0"/>
+              <a:rPr lang="en-US"/>
               <a:t>Fourth level</a:t>
             </a:r>
           </a:p>
           <a:p>
             <a:pPr lvl="4"/>
             <a:r>
-              <a:rPr lang="en-US" smtClean="0"/>
+              <a:rPr lang="en-US"/>
               <a:t>Fifth level</a:t>
             </a:r>
-            <a:endParaRPr lang="en-US"/>
           </a:p>
         </p:txBody>
       </p:sp>
@@ -811,7 +822,7 @@
           <a:p>
             <a:fld id="{78C97017-6FC3-485B-9764-EAC9E56C1D49}" type="datetimeFigureOut">
               <a:rPr lang="en-US" smtClean="0"/>
-              <a:t>3/17/2018</a:t>
+              <a:t>15-Apr-18</a:t>
             </a:fld>
             <a:endParaRPr lang="en-US"/>
           </a:p>
@@ -910,10 +921,9 @@
           <a:lstStyle/>
           <a:p>
             <a:r>
-              <a:rPr lang="en-US" smtClean="0"/>
+              <a:rPr lang="en-US"/>
               <a:t>Click to edit Master title style</a:t>
             </a:r>
-            <a:endParaRPr lang="en-US"/>
           </a:p>
         </p:txBody>
       </p:sp>
@@ -939,38 +949,37 @@
           <a:p>
             <a:pPr lvl="0"/>
             <a:r>
-              <a:rPr lang="en-US" smtClean="0"/>
+              <a:rPr lang="en-US"/>
               <a:t>Click to edit Master text styles</a:t>
             </a:r>
           </a:p>
           <a:p>
             <a:pPr lvl="1"/>
             <a:r>
-              <a:rPr lang="en-US" smtClean="0"/>
+              <a:rPr lang="en-US"/>
               <a:t>Second level</a:t>
             </a:r>
           </a:p>
           <a:p>
             <a:pPr lvl="2"/>
             <a:r>
-              <a:rPr lang="en-US" smtClean="0"/>
+              <a:rPr lang="en-US"/>
               <a:t>Third level</a:t>
             </a:r>
           </a:p>
           <a:p>
             <a:pPr lvl="3"/>
             <a:r>
-              <a:rPr lang="en-US" smtClean="0"/>
+              <a:rPr lang="en-US"/>
               <a:t>Fourth level</a:t>
             </a:r>
           </a:p>
           <a:p>
             <a:pPr lvl="4"/>
             <a:r>
-              <a:rPr lang="en-US" smtClean="0"/>
+              <a:rPr lang="en-US"/>
               <a:t>Fifth level</a:t>
             </a:r>
-            <a:endParaRPr lang="en-US"/>
           </a:p>
         </p:txBody>
       </p:sp>
@@ -991,7 +1000,7 @@
           <a:p>
             <a:fld id="{78C97017-6FC3-485B-9764-EAC9E56C1D49}" type="datetimeFigureOut">
               <a:rPr lang="en-US" smtClean="0"/>
-              <a:t>3/17/2018</a:t>
+              <a:t>15-Apr-18</a:t>
             </a:fld>
             <a:endParaRPr lang="en-US"/>
           </a:p>
@@ -1085,10 +1094,9 @@
           <a:lstStyle/>
           <a:p>
             <a:r>
-              <a:rPr lang="en-US" smtClean="0"/>
+              <a:rPr lang="en-US"/>
               <a:t>Click to edit Master title style</a:t>
             </a:r>
-            <a:endParaRPr lang="en-US"/>
           </a:p>
         </p:txBody>
       </p:sp>
@@ -1109,38 +1117,37 @@
           <a:p>
             <a:pPr lvl="0"/>
             <a:r>
-              <a:rPr lang="en-US" smtClean="0"/>
+              <a:rPr lang="en-US"/>
               <a:t>Click to edit Master text styles</a:t>
             </a:r>
           </a:p>
           <a:p>
             <a:pPr lvl="1"/>
             <a:r>
-              <a:rPr lang="en-US" smtClean="0"/>
+              <a:rPr lang="en-US"/>
               <a:t>Second level</a:t>
             </a:r>
           </a:p>
           <a:p>
             <a:pPr lvl="2"/>
             <a:r>
-              <a:rPr lang="en-US" smtClean="0"/>
+              <a:rPr lang="en-US"/>
               <a:t>Third level</a:t>
             </a:r>
           </a:p>
           <a:p>
             <a:pPr lvl="3"/>
             <a:r>
-              <a:rPr lang="en-US" smtClean="0"/>
+              <a:rPr lang="en-US"/>
               <a:t>Fourth level</a:t>
             </a:r>
           </a:p>
           <a:p>
             <a:pPr lvl="4"/>
             <a:r>
-              <a:rPr lang="en-US" smtClean="0"/>
+              <a:rPr lang="en-US"/>
               <a:t>Fifth level</a:t>
             </a:r>
-            <a:endParaRPr lang="en-US"/>
           </a:p>
         </p:txBody>
       </p:sp>
@@ -1161,7 +1168,7 @@
           <a:p>
             <a:fld id="{78C97017-6FC3-485B-9764-EAC9E56C1D49}" type="datetimeFigureOut">
               <a:rPr lang="en-US" smtClean="0"/>
-              <a:t>3/17/2018</a:t>
+              <a:t>15-Apr-18</a:t>
             </a:fld>
             <a:endParaRPr lang="en-US"/>
           </a:p>
@@ -1264,10 +1271,9 @@
           </a:lstStyle>
           <a:p>
             <a:r>
-              <a:rPr lang="en-US" smtClean="0"/>
+              <a:rPr lang="en-US"/>
               <a:t>Click to edit Master title style</a:t>
             </a:r>
-            <a:endParaRPr lang="en-US"/>
           </a:p>
         </p:txBody>
       </p:sp>
@@ -1384,7 +1390,7 @@
           <a:p>
             <a:pPr lvl="0"/>
             <a:r>
-              <a:rPr lang="en-US" smtClean="0"/>
+              <a:rPr lang="en-US"/>
               <a:t>Click to edit Master text styles</a:t>
             </a:r>
           </a:p>
@@ -1407,7 +1413,7 @@
           <a:p>
             <a:fld id="{78C97017-6FC3-485B-9764-EAC9E56C1D49}" type="datetimeFigureOut">
               <a:rPr lang="en-US" smtClean="0"/>
-              <a:t>3/17/2018</a:t>
+              <a:t>15-Apr-18</a:t>
             </a:fld>
             <a:endParaRPr lang="en-US"/>
           </a:p>
@@ -1501,10 +1507,9 @@
           <a:lstStyle/>
           <a:p>
             <a:r>
-              <a:rPr lang="en-US" smtClean="0"/>
+              <a:rPr lang="en-US"/>
               <a:t>Click to edit Master title style</a:t>
             </a:r>
-            <a:endParaRPr lang="en-US"/>
           </a:p>
         </p:txBody>
       </p:sp>
@@ -1558,38 +1563,37 @@
           <a:p>
             <a:pPr lvl="0"/>
             <a:r>
-              <a:rPr lang="en-US" smtClean="0"/>
+              <a:rPr lang="en-US"/>
               <a:t>Click to edit Master text styles</a:t>
             </a:r>
           </a:p>
           <a:p>
             <a:pPr lvl="1"/>
             <a:r>
-              <a:rPr lang="en-US" smtClean="0"/>
+              <a:rPr lang="en-US"/>
               <a:t>Second level</a:t>
             </a:r>
           </a:p>
           <a:p>
             <a:pPr lvl="2"/>
             <a:r>
-              <a:rPr lang="en-US" smtClean="0"/>
+              <a:rPr lang="en-US"/>
               <a:t>Third level</a:t>
             </a:r>
           </a:p>
           <a:p>
             <a:pPr lvl="3"/>
             <a:r>
-              <a:rPr lang="en-US" smtClean="0"/>
+              <a:rPr lang="en-US"/>
               <a:t>Fourth level</a:t>
             </a:r>
           </a:p>
           <a:p>
             <a:pPr lvl="4"/>
             <a:r>
-              <a:rPr lang="en-US" smtClean="0"/>
+              <a:rPr lang="en-US"/>
               <a:t>Fifth level</a:t>
             </a:r>
-            <a:endParaRPr lang="en-US"/>
           </a:p>
         </p:txBody>
       </p:sp>
@@ -1643,38 +1647,37 @@
           <a:p>
             <a:pPr lvl="0"/>
             <a:r>
-              <a:rPr lang="en-US" smtClean="0"/>
+              <a:rPr lang="en-US"/>
               <a:t>Click to edit Master text styles</a:t>
             </a:r>
           </a:p>
           <a:p>
             <a:pPr lvl="1"/>
             <a:r>
-              <a:rPr lang="en-US" smtClean="0"/>
+              <a:rPr lang="en-US"/>
               <a:t>Second level</a:t>
             </a:r>
           </a:p>
           <a:p>
             <a:pPr lvl="2"/>
             <a:r>
-              <a:rPr lang="en-US" smtClean="0"/>
+              <a:rPr lang="en-US"/>
               <a:t>Third level</a:t>
             </a:r>
           </a:p>
           <a:p>
             <a:pPr lvl="3"/>
             <a:r>
-              <a:rPr lang="en-US" smtClean="0"/>
+              <a:rPr lang="en-US"/>
               <a:t>Fourth level</a:t>
             </a:r>
           </a:p>
           <a:p>
             <a:pPr lvl="4"/>
             <a:r>
-              <a:rPr lang="en-US" smtClean="0"/>
+              <a:rPr lang="en-US"/>
               <a:t>Fifth level</a:t>
             </a:r>
-            <a:endParaRPr lang="en-US"/>
           </a:p>
         </p:txBody>
       </p:sp>
@@ -1695,7 +1698,7 @@
           <a:p>
             <a:fld id="{78C97017-6FC3-485B-9764-EAC9E56C1D49}" type="datetimeFigureOut">
               <a:rPr lang="en-US" smtClean="0"/>
-              <a:t>3/17/2018</a:t>
+              <a:t>15-Apr-18</a:t>
             </a:fld>
             <a:endParaRPr lang="en-US"/>
           </a:p>
@@ -1793,10 +1796,9 @@
           </a:lstStyle>
           <a:p>
             <a:r>
-              <a:rPr lang="en-US" smtClean="0"/>
+              <a:rPr lang="en-US"/>
               <a:t>Click to edit Master title style</a:t>
             </a:r>
-            <a:endParaRPr lang="en-US"/>
           </a:p>
         </p:txBody>
       </p:sp>
@@ -1859,7 +1861,7 @@
           <a:p>
             <a:pPr lvl="0"/>
             <a:r>
-              <a:rPr lang="en-US" smtClean="0"/>
+              <a:rPr lang="en-US"/>
               <a:t>Click to edit Master text styles</a:t>
             </a:r>
           </a:p>
@@ -1915,38 +1917,37 @@
           <a:p>
             <a:pPr lvl="0"/>
             <a:r>
-              <a:rPr lang="en-US" smtClean="0"/>
+              <a:rPr lang="en-US"/>
               <a:t>Click to edit Master text styles</a:t>
             </a:r>
           </a:p>
           <a:p>
             <a:pPr lvl="1"/>
             <a:r>
-              <a:rPr lang="en-US" smtClean="0"/>
+              <a:rPr lang="en-US"/>
               <a:t>Second level</a:t>
             </a:r>
           </a:p>
           <a:p>
             <a:pPr lvl="2"/>
             <a:r>
-              <a:rPr lang="en-US" smtClean="0"/>
+              <a:rPr lang="en-US"/>
               <a:t>Third level</a:t>
             </a:r>
           </a:p>
           <a:p>
             <a:pPr lvl="3"/>
             <a:r>
-              <a:rPr lang="en-US" smtClean="0"/>
+              <a:rPr lang="en-US"/>
               <a:t>Fourth level</a:t>
             </a:r>
           </a:p>
           <a:p>
             <a:pPr lvl="4"/>
             <a:r>
-              <a:rPr lang="en-US" smtClean="0"/>
+              <a:rPr lang="en-US"/>
               <a:t>Fifth level</a:t>
             </a:r>
-            <a:endParaRPr lang="en-US"/>
           </a:p>
         </p:txBody>
       </p:sp>
@@ -2009,7 +2010,7 @@
           <a:p>
             <a:pPr lvl="0"/>
             <a:r>
-              <a:rPr lang="en-US" smtClean="0"/>
+              <a:rPr lang="en-US"/>
               <a:t>Click to edit Master text styles</a:t>
             </a:r>
           </a:p>
@@ -2065,38 +2066,37 @@
           <a:p>
             <a:pPr lvl="0"/>
             <a:r>
-              <a:rPr lang="en-US" smtClean="0"/>
+              <a:rPr lang="en-US"/>
               <a:t>Click to edit Master text styles</a:t>
             </a:r>
           </a:p>
           <a:p>
             <a:pPr lvl="1"/>
             <a:r>
-              <a:rPr lang="en-US" smtClean="0"/>
+              <a:rPr lang="en-US"/>
               <a:t>Second level</a:t>
             </a:r>
           </a:p>
           <a:p>
             <a:pPr lvl="2"/>
             <a:r>
-              <a:rPr lang="en-US" smtClean="0"/>
+              <a:rPr lang="en-US"/>
               <a:t>Third level</a:t>
             </a:r>
           </a:p>
           <a:p>
             <a:pPr lvl="3"/>
             <a:r>
-              <a:rPr lang="en-US" smtClean="0"/>
+              <a:rPr lang="en-US"/>
               <a:t>Fourth level</a:t>
             </a:r>
           </a:p>
           <a:p>
             <a:pPr lvl="4"/>
             <a:r>
-              <a:rPr lang="en-US" smtClean="0"/>
+              <a:rPr lang="en-US"/>
               <a:t>Fifth level</a:t>
             </a:r>
-            <a:endParaRPr lang="en-US"/>
           </a:p>
         </p:txBody>
       </p:sp>
@@ -2117,7 +2117,7 @@
           <a:p>
             <a:fld id="{78C97017-6FC3-485B-9764-EAC9E56C1D49}" type="datetimeFigureOut">
               <a:rPr lang="en-US" smtClean="0"/>
-              <a:t>3/17/2018</a:t>
+              <a:t>15-Apr-18</a:t>
             </a:fld>
             <a:endParaRPr lang="en-US"/>
           </a:p>
@@ -2211,10 +2211,9 @@
           <a:lstStyle/>
           <a:p>
             <a:r>
-              <a:rPr lang="en-US" smtClean="0"/>
+              <a:rPr lang="en-US"/>
               <a:t>Click to edit Master title style</a:t>
             </a:r>
-            <a:endParaRPr lang="en-US"/>
           </a:p>
         </p:txBody>
       </p:sp>
@@ -2235,7 +2234,7 @@
           <a:p>
             <a:fld id="{78C97017-6FC3-485B-9764-EAC9E56C1D49}" type="datetimeFigureOut">
               <a:rPr lang="en-US" smtClean="0"/>
-              <a:t>3/17/2018</a:t>
+              <a:t>15-Apr-18</a:t>
             </a:fld>
             <a:endParaRPr lang="en-US"/>
           </a:p>
@@ -2330,7 +2329,7 @@
           <a:p>
             <a:fld id="{78C97017-6FC3-485B-9764-EAC9E56C1D49}" type="datetimeFigureOut">
               <a:rPr lang="en-US" smtClean="0"/>
-              <a:t>3/17/2018</a:t>
+              <a:t>15-Apr-18</a:t>
             </a:fld>
             <a:endParaRPr lang="en-US"/>
           </a:p>
@@ -2433,10 +2432,9 @@
           </a:lstStyle>
           <a:p>
             <a:r>
-              <a:rPr lang="en-US" smtClean="0"/>
+              <a:rPr lang="en-US"/>
               <a:t>Click to edit Master title style</a:t>
             </a:r>
-            <a:endParaRPr lang="en-US"/>
           </a:p>
         </p:txBody>
       </p:sp>
@@ -2490,38 +2488,37 @@
           <a:p>
             <a:pPr lvl="0"/>
             <a:r>
-              <a:rPr lang="en-US" smtClean="0"/>
+              <a:rPr lang="en-US"/>
               <a:t>Click to edit Master text styles</a:t>
             </a:r>
           </a:p>
           <a:p>
             <a:pPr lvl="1"/>
             <a:r>
-              <a:rPr lang="en-US" smtClean="0"/>
+              <a:rPr lang="en-US"/>
               <a:t>Second level</a:t>
             </a:r>
           </a:p>
           <a:p>
             <a:pPr lvl="2"/>
             <a:r>
-              <a:rPr lang="en-US" smtClean="0"/>
+              <a:rPr lang="en-US"/>
               <a:t>Third level</a:t>
             </a:r>
           </a:p>
           <a:p>
             <a:pPr lvl="3"/>
             <a:r>
-              <a:rPr lang="en-US" smtClean="0"/>
+              <a:rPr lang="en-US"/>
               <a:t>Fourth level</a:t>
             </a:r>
           </a:p>
           <a:p>
             <a:pPr lvl="4"/>
             <a:r>
-              <a:rPr lang="en-US" smtClean="0"/>
+              <a:rPr lang="en-US"/>
               <a:t>Fifth level</a:t>
             </a:r>
-            <a:endParaRPr lang="en-US"/>
           </a:p>
         </p:txBody>
       </p:sp>
@@ -2584,7 +2581,7 @@
           <a:p>
             <a:pPr lvl="0"/>
             <a:r>
-              <a:rPr lang="en-US" smtClean="0"/>
+              <a:rPr lang="en-US"/>
               <a:t>Click to edit Master text styles</a:t>
             </a:r>
           </a:p>
@@ -2607,7 +2604,7 @@
           <a:p>
             <a:fld id="{78C97017-6FC3-485B-9764-EAC9E56C1D49}" type="datetimeFigureOut">
               <a:rPr lang="en-US" smtClean="0"/>
-              <a:t>3/17/2018</a:t>
+              <a:t>15-Apr-18</a:t>
             </a:fld>
             <a:endParaRPr lang="en-US"/>
           </a:p>
@@ -2710,10 +2707,9 @@
           </a:lstStyle>
           <a:p>
             <a:r>
-              <a:rPr lang="en-US" smtClean="0"/>
+              <a:rPr lang="en-US"/>
               <a:t>Click to edit Master title style</a:t>
             </a:r>
-            <a:endParaRPr lang="en-US"/>
           </a:p>
         </p:txBody>
       </p:sp>
@@ -2837,7 +2833,7 @@
           <a:p>
             <a:pPr lvl="0"/>
             <a:r>
-              <a:rPr lang="en-US" smtClean="0"/>
+              <a:rPr lang="en-US"/>
               <a:t>Click to edit Master text styles</a:t>
             </a:r>
           </a:p>
@@ -2860,7 +2856,7 @@
           <a:p>
             <a:fld id="{78C97017-6FC3-485B-9764-EAC9E56C1D49}" type="datetimeFigureOut">
               <a:rPr lang="en-US" smtClean="0"/>
-              <a:t>3/17/2018</a:t>
+              <a:t>15-Apr-18</a:t>
             </a:fld>
             <a:endParaRPr lang="en-US"/>
           </a:p>
@@ -2969,10 +2965,9 @@
           <a:lstStyle/>
           <a:p>
             <a:r>
-              <a:rPr lang="en-US" smtClean="0"/>
+              <a:rPr lang="en-US"/>
               <a:t>Click to edit Master title style</a:t>
             </a:r>
-            <a:endParaRPr lang="en-US"/>
           </a:p>
         </p:txBody>
       </p:sp>
@@ -3003,38 +2998,37 @@
           <a:p>
             <a:pPr lvl="0"/>
             <a:r>
-              <a:rPr lang="en-US" smtClean="0"/>
+              <a:rPr lang="en-US"/>
               <a:t>Click to edit Master text styles</a:t>
             </a:r>
           </a:p>
           <a:p>
             <a:pPr lvl="1"/>
             <a:r>
-              <a:rPr lang="en-US" smtClean="0"/>
+              <a:rPr lang="en-US"/>
               <a:t>Second level</a:t>
             </a:r>
           </a:p>
           <a:p>
             <a:pPr lvl="2"/>
             <a:r>
-              <a:rPr lang="en-US" smtClean="0"/>
+              <a:rPr lang="en-US"/>
               <a:t>Third level</a:t>
             </a:r>
           </a:p>
           <a:p>
             <a:pPr lvl="3"/>
             <a:r>
-              <a:rPr lang="en-US" smtClean="0"/>
+              <a:rPr lang="en-US"/>
               <a:t>Fourth level</a:t>
             </a:r>
           </a:p>
           <a:p>
             <a:pPr lvl="4"/>
             <a:r>
-              <a:rPr lang="en-US" smtClean="0"/>
+              <a:rPr lang="en-US"/>
               <a:t>Fifth level</a:t>
             </a:r>
-            <a:endParaRPr lang="en-US"/>
           </a:p>
         </p:txBody>
       </p:sp>
@@ -3073,7 +3067,7 @@
           <a:p>
             <a:fld id="{78C97017-6FC3-485B-9764-EAC9E56C1D49}" type="datetimeFigureOut">
               <a:rPr lang="en-US" smtClean="0"/>
-              <a:t>3/17/2018</a:t>
+              <a:t>15-Apr-18</a:t>
             </a:fld>
             <a:endParaRPr lang="en-US"/>
           </a:p>
@@ -3450,79 +3444,20 @@
       </p:grpSpPr>
       <p:sp>
         <p:nvSpPr>
-          <p:cNvPr id="118" name="Rectangle 65"/>
+          <p:cNvPr id="48" name="Rectangle 8">
+            <a:extLst>
+              <a:ext uri="{FF2B5EF4-FFF2-40B4-BE49-F238E27FC236}">
+                <a16:creationId xmlns:a16="http://schemas.microsoft.com/office/drawing/2014/main" id="{C4147C9B-5E1F-4F39-9BE9-65FC68799CF8}"/>
+              </a:ext>
+            </a:extLst>
+          </p:cNvPr>
           <p:cNvSpPr/>
           <p:nvPr/>
         </p:nvSpPr>
         <p:spPr>
           <a:xfrm>
-            <a:off x="1119865" y="2086382"/>
-            <a:ext cx="7871735" cy="1723618"/>
-          </a:xfrm>
-          <a:prstGeom prst="roundRect">
-            <a:avLst>
-              <a:gd name="adj" fmla="val 3484"/>
-            </a:avLst>
-          </a:prstGeom>
-          <a:solidFill>
-            <a:schemeClr val="accent6">
-              <a:lumMod val="20000"/>
-              <a:lumOff val="80000"/>
-            </a:schemeClr>
-          </a:solidFill>
-          <a:ln w="19050">
-            <a:noFill/>
-          </a:ln>
-          <a:effectLst/>
-        </p:spPr>
-        <p:style>
-          <a:lnRef idx="1">
-            <a:schemeClr val="accent2"/>
-          </a:lnRef>
-          <a:fillRef idx="2">
-            <a:schemeClr val="accent2"/>
-          </a:fillRef>
-          <a:effectRef idx="1">
-            <a:schemeClr val="accent2"/>
-          </a:effectRef>
-          <a:fontRef idx="minor">
-            <a:schemeClr val="dk1"/>
-          </a:fontRef>
-        </p:style>
-        <p:txBody>
-          <a:bodyPr rtlCol="0" anchor="t"/>
-          <a:lstStyle/>
-          <a:p>
-            <a:r>
-              <a:rPr lang="en-US" sz="1200" b="1" dirty="0" smtClean="0">
-                <a:solidFill>
-                  <a:schemeClr val="accent6">
-                    <a:lumMod val="75000"/>
-                  </a:schemeClr>
-                </a:solidFill>
-              </a:rPr>
-              <a:t>Storage</a:t>
-            </a:r>
-            <a:endParaRPr lang="en-SG" sz="1200" b="1" dirty="0">
-              <a:solidFill>
-                <a:schemeClr val="accent6">
-                  <a:lumMod val="75000"/>
-                </a:schemeClr>
-              </a:solidFill>
-            </a:endParaRPr>
-          </a:p>
-        </p:txBody>
-      </p:sp>
-      <p:sp>
-        <p:nvSpPr>
-          <p:cNvPr id="2" name="Rectangle 8"/>
-          <p:cNvSpPr/>
-          <p:nvPr/>
-        </p:nvSpPr>
-        <p:spPr>
-          <a:xfrm>
-            <a:off x="2877180" y="3158440"/>
-            <a:ext cx="1323049" cy="346760"/>
+            <a:off x="2953380" y="2915388"/>
+            <a:ext cx="1323049" cy="465684"/>
           </a:xfrm>
           <a:prstGeom prst="rect">
             <a:avLst/>
@@ -3561,7 +3496,7 @@
           <a:p>
             <a:pPr algn="ctr"/>
             <a:r>
-              <a:rPr lang="en-US" sz="1050" dirty="0" smtClean="0">
+              <a:rPr lang="en-US" sz="1050" dirty="0">
                 <a:solidFill>
                   <a:schemeClr val="bg1"/>
                 </a:solidFill>
@@ -3569,14 +3504,14 @@
               <a:t>&lt;&lt;interface&gt;&gt;</a:t>
             </a:r>
             <a:br>
-              <a:rPr lang="en-US" sz="1050" dirty="0" smtClean="0">
+              <a:rPr lang="en-US" sz="1050" dirty="0">
                 <a:solidFill>
                   <a:schemeClr val="bg1"/>
                 </a:solidFill>
               </a:rPr>
             </a:br>
             <a:r>
-              <a:rPr lang="en-US" sz="1050" dirty="0" err="1" smtClean="0">
+              <a:rPr lang="en-US" sz="1050" dirty="0" err="1">
                 <a:solidFill>
                   <a:schemeClr val="bg1"/>
                 </a:solidFill>
@@ -3593,14 +3528,375 @@
       </p:sp>
       <p:sp>
         <p:nvSpPr>
-          <p:cNvPr id="9" name="Rectangle 62"/>
+          <p:cNvPr id="49" name="Flowchart: Decision 96">
+            <a:extLst>
+              <a:ext uri="{FF2B5EF4-FFF2-40B4-BE49-F238E27FC236}">
+                <a16:creationId xmlns:a16="http://schemas.microsoft.com/office/drawing/2014/main" id="{8F69BE12-E534-4005-BC2C-205B4C168FAD}"/>
+              </a:ext>
+            </a:extLst>
+          </p:cNvPr>
           <p:cNvSpPr/>
           <p:nvPr/>
         </p:nvSpPr>
         <p:spPr>
-          <a:xfrm rot="16200000">
-            <a:off x="1683963" y="2868687"/>
-            <a:ext cx="1093635" cy="346760"/>
+          <a:xfrm>
+            <a:off x="2456578" y="3187918"/>
+            <a:ext cx="236048" cy="232842"/>
+          </a:xfrm>
+          <a:prstGeom prst="flowChartDecision">
+            <a:avLst/>
+          </a:prstGeom>
+          <a:noFill/>
+          <a:ln w="19050">
+            <a:solidFill>
+              <a:schemeClr val="accent6">
+                <a:lumMod val="75000"/>
+              </a:schemeClr>
+            </a:solidFill>
+          </a:ln>
+          <a:effectLst/>
+        </p:spPr>
+        <p:style>
+          <a:lnRef idx="1">
+            <a:schemeClr val="accent2"/>
+          </a:lnRef>
+          <a:fillRef idx="2">
+            <a:schemeClr val="accent2"/>
+          </a:fillRef>
+          <a:effectRef idx="1">
+            <a:schemeClr val="accent2"/>
+          </a:effectRef>
+          <a:fontRef idx="minor">
+            <a:schemeClr val="dk1"/>
+          </a:fontRef>
+        </p:style>
+        <p:txBody>
+          <a:bodyPr rtlCol="0" anchor="ctr"/>
+          <a:lstStyle/>
+          <a:p>
+            <a:pPr algn="ctr"/>
+            <a:endParaRPr lang="en-US" sz="1050">
+              <a:solidFill>
+                <a:schemeClr val="bg1"/>
+              </a:solidFill>
+            </a:endParaRPr>
+          </a:p>
+        </p:txBody>
+      </p:sp>
+      <p:cxnSp>
+        <p:nvCxnSpPr>
+          <p:cNvPr id="51" name="Elbow Connector 63">
+            <a:extLst>
+              <a:ext uri="{FF2B5EF4-FFF2-40B4-BE49-F238E27FC236}">
+                <a16:creationId xmlns:a16="http://schemas.microsoft.com/office/drawing/2014/main" id="{FBED7959-CB1B-49E1-9331-197DC9BF0515}"/>
+              </a:ext>
+            </a:extLst>
+          </p:cNvPr>
+          <p:cNvCxnSpPr>
+            <a:cxnSpLocks/>
+            <a:endCxn id="55" idx="1"/>
+          </p:cNvCxnSpPr>
+          <p:nvPr/>
+        </p:nvCxnSpPr>
+        <p:spPr>
+          <a:xfrm>
+            <a:off x="4474241" y="3088770"/>
+            <a:ext cx="223324" cy="59460"/>
+          </a:xfrm>
+          <a:prstGeom prst="bentConnector3">
+            <a:avLst>
+              <a:gd name="adj1" fmla="val 50000"/>
+            </a:avLst>
+          </a:prstGeom>
+          <a:ln w="19050">
+            <a:solidFill>
+              <a:schemeClr val="accent6">
+                <a:lumMod val="75000"/>
+              </a:schemeClr>
+            </a:solidFill>
+            <a:prstDash val="sysDot"/>
+            <a:headEnd type="none" w="med" len="med"/>
+            <a:tailEnd type="none" w="med" len="med"/>
+          </a:ln>
+          <a:effectLst/>
+        </p:spPr>
+        <p:style>
+          <a:lnRef idx="1">
+            <a:schemeClr val="accent2"/>
+          </a:lnRef>
+          <a:fillRef idx="2">
+            <a:schemeClr val="accent2"/>
+          </a:fillRef>
+          <a:effectRef idx="1">
+            <a:schemeClr val="accent2"/>
+          </a:effectRef>
+          <a:fontRef idx="minor">
+            <a:schemeClr val="dk1"/>
+          </a:fontRef>
+        </p:style>
+      </p:cxnSp>
+      <p:sp>
+        <p:nvSpPr>
+          <p:cNvPr id="53" name="Isosceles Triangle 102">
+            <a:extLst>
+              <a:ext uri="{FF2B5EF4-FFF2-40B4-BE49-F238E27FC236}">
+                <a16:creationId xmlns:a16="http://schemas.microsoft.com/office/drawing/2014/main" id="{BA0E124A-D955-4859-981F-27A33CD598C4}"/>
+              </a:ext>
+            </a:extLst>
+          </p:cNvPr>
+          <p:cNvSpPr/>
+          <p:nvPr/>
+        </p:nvSpPr>
+        <p:spPr>
+          <a:xfrm rot="5400000" flipV="1">
+            <a:off x="4216403" y="3047393"/>
+            <a:ext cx="363277" cy="175523"/>
+          </a:xfrm>
+          <a:prstGeom prst="triangle">
+            <a:avLst/>
+          </a:prstGeom>
+          <a:solidFill>
+            <a:schemeClr val="accent6">
+              <a:lumMod val="75000"/>
+            </a:schemeClr>
+          </a:solidFill>
+          <a:ln w="19050">
+            <a:solidFill>
+              <a:schemeClr val="accent6">
+                <a:lumMod val="75000"/>
+              </a:schemeClr>
+            </a:solidFill>
+          </a:ln>
+          <a:effectLst/>
+        </p:spPr>
+        <p:style>
+          <a:lnRef idx="1">
+            <a:schemeClr val="accent2"/>
+          </a:lnRef>
+          <a:fillRef idx="2">
+            <a:schemeClr val="accent2"/>
+          </a:fillRef>
+          <a:effectRef idx="1">
+            <a:schemeClr val="accent2"/>
+          </a:effectRef>
+          <a:fontRef idx="minor">
+            <a:schemeClr val="dk1"/>
+          </a:fontRef>
+        </p:style>
+        <p:txBody>
+          <a:bodyPr rtlCol="0" anchor="ctr"/>
+          <a:lstStyle/>
+          <a:p>
+            <a:pPr algn="ctr"/>
+            <a:endParaRPr lang="en-SG" sz="1050">
+              <a:solidFill>
+                <a:schemeClr val="bg1"/>
+              </a:solidFill>
+            </a:endParaRPr>
+          </a:p>
+        </p:txBody>
+      </p:sp>
+      <p:sp>
+        <p:nvSpPr>
+          <p:cNvPr id="55" name="Rectangle 8">
+            <a:extLst>
+              <a:ext uri="{FF2B5EF4-FFF2-40B4-BE49-F238E27FC236}">
+                <a16:creationId xmlns:a16="http://schemas.microsoft.com/office/drawing/2014/main" id="{A295020F-E9BF-44D6-A31C-4A4137780282}"/>
+              </a:ext>
+            </a:extLst>
+          </p:cNvPr>
+          <p:cNvSpPr/>
+          <p:nvPr/>
+        </p:nvSpPr>
+        <p:spPr>
+          <a:xfrm>
+            <a:off x="4697565" y="2915388"/>
+            <a:ext cx="1169835" cy="465684"/>
+          </a:xfrm>
+          <a:prstGeom prst="rect">
+            <a:avLst/>
+          </a:prstGeom>
+          <a:ln w="19050"/>
+          <a:effectLst/>
+        </p:spPr>
+        <p:style>
+          <a:lnRef idx="1">
+            <a:schemeClr val="accent6"/>
+          </a:lnRef>
+          <a:fillRef idx="2">
+            <a:schemeClr val="accent6"/>
+          </a:fillRef>
+          <a:effectRef idx="1">
+            <a:schemeClr val="accent6"/>
+          </a:effectRef>
+          <a:fontRef idx="minor">
+            <a:schemeClr val="dk1"/>
+          </a:fontRef>
+        </p:style>
+        <p:txBody>
+          <a:bodyPr rtlCol="0" anchor="ctr"/>
+          <a:lstStyle/>
+          <a:p>
+            <a:pPr algn="ctr"/>
+            <a:r>
+              <a:rPr lang="en-US" sz="1050" b="1" dirty="0" err="1">
+                <a:solidFill>
+                  <a:schemeClr val="accent6">
+                    <a:lumMod val="75000"/>
+                  </a:schemeClr>
+                </a:solidFill>
+              </a:rPr>
+              <a:t>XmlClubBook</a:t>
+            </a:r>
+            <a:br>
+              <a:rPr lang="en-US" sz="1050" b="1" dirty="0">
+                <a:solidFill>
+                  <a:schemeClr val="accent6">
+                    <a:lumMod val="75000"/>
+                  </a:schemeClr>
+                </a:solidFill>
+              </a:rPr>
+            </a:br>
+            <a:r>
+              <a:rPr lang="en-US" sz="1050" b="1" dirty="0">
+                <a:solidFill>
+                  <a:schemeClr val="accent6">
+                    <a:lumMod val="75000"/>
+                  </a:schemeClr>
+                </a:solidFill>
+              </a:rPr>
+              <a:t>Storage</a:t>
+            </a:r>
+            <a:endParaRPr lang="en-SG" sz="1050" b="1" dirty="0">
+              <a:solidFill>
+                <a:schemeClr val="accent6">
+                  <a:lumMod val="75000"/>
+                </a:schemeClr>
+              </a:solidFill>
+            </a:endParaRPr>
+          </a:p>
+        </p:txBody>
+      </p:sp>
+      <p:cxnSp>
+        <p:nvCxnSpPr>
+          <p:cNvPr id="57" name="Connector: Elbow 56">
+            <a:extLst>
+              <a:ext uri="{FF2B5EF4-FFF2-40B4-BE49-F238E27FC236}">
+                <a16:creationId xmlns:a16="http://schemas.microsoft.com/office/drawing/2014/main" id="{1124C05C-899D-47EE-A947-AD1D25AB6EC4}"/>
+              </a:ext>
+            </a:extLst>
+          </p:cNvPr>
+          <p:cNvCxnSpPr>
+            <a:stCxn id="49" idx="3"/>
+          </p:cNvCxnSpPr>
+          <p:nvPr/>
+        </p:nvCxnSpPr>
+        <p:spPr>
+          <a:xfrm flipV="1">
+            <a:off x="2692626" y="3088768"/>
+            <a:ext cx="260754" cy="215571"/>
+          </a:xfrm>
+          <a:prstGeom prst="bentConnector3">
+            <a:avLst/>
+          </a:prstGeom>
+          <a:ln>
+            <a:solidFill>
+              <a:schemeClr val="accent6">
+                <a:lumMod val="75000"/>
+              </a:schemeClr>
+            </a:solidFill>
+          </a:ln>
+        </p:spPr>
+        <p:style>
+          <a:lnRef idx="1">
+            <a:schemeClr val="accent6"/>
+          </a:lnRef>
+          <a:fillRef idx="0">
+            <a:schemeClr val="accent6"/>
+          </a:fillRef>
+          <a:effectRef idx="0">
+            <a:schemeClr val="accent6"/>
+          </a:effectRef>
+          <a:fontRef idx="minor">
+            <a:schemeClr val="tx1"/>
+          </a:fontRef>
+        </p:style>
+      </p:cxnSp>
+      <p:sp>
+        <p:nvSpPr>
+          <p:cNvPr id="118" name="Rectangle 65"/>
+          <p:cNvSpPr/>
+          <p:nvPr/>
+        </p:nvSpPr>
+        <p:spPr>
+          <a:xfrm>
+            <a:off x="1143000" y="1766551"/>
+            <a:ext cx="7871735" cy="2254158"/>
+          </a:xfrm>
+          <a:prstGeom prst="roundRect">
+            <a:avLst>
+              <a:gd name="adj" fmla="val 3484"/>
+            </a:avLst>
+          </a:prstGeom>
+          <a:solidFill>
+            <a:schemeClr val="accent6">
+              <a:lumMod val="20000"/>
+              <a:lumOff val="80000"/>
+            </a:schemeClr>
+          </a:solidFill>
+          <a:ln w="19050">
+            <a:noFill/>
+          </a:ln>
+          <a:effectLst/>
+        </p:spPr>
+        <p:style>
+          <a:lnRef idx="1">
+            <a:schemeClr val="accent2"/>
+          </a:lnRef>
+          <a:fillRef idx="2">
+            <a:schemeClr val="accent2"/>
+          </a:fillRef>
+          <a:effectRef idx="1">
+            <a:schemeClr val="accent2"/>
+          </a:effectRef>
+          <a:fontRef idx="minor">
+            <a:schemeClr val="dk1"/>
+          </a:fontRef>
+        </p:style>
+        <p:txBody>
+          <a:bodyPr rtlCol="0" anchor="t"/>
+          <a:lstStyle/>
+          <a:p>
+            <a:r>
+              <a:rPr lang="en-US" sz="1200" b="1" dirty="0">
+                <a:solidFill>
+                  <a:schemeClr val="accent6">
+                    <a:lumMod val="75000"/>
+                  </a:schemeClr>
+                </a:solidFill>
+              </a:rPr>
+              <a:t>Storage</a:t>
+            </a:r>
+            <a:endParaRPr lang="en-SG" sz="1200" b="1" dirty="0">
+              <a:solidFill>
+                <a:schemeClr val="accent6">
+                  <a:lumMod val="75000"/>
+                </a:schemeClr>
+              </a:solidFill>
+            </a:endParaRPr>
+          </a:p>
+        </p:txBody>
+      </p:sp>
+      <p:sp>
+        <p:nvSpPr>
+          <p:cNvPr id="2" name="Rectangle 8"/>
+          <p:cNvSpPr/>
+          <p:nvPr/>
+        </p:nvSpPr>
+        <p:spPr>
+          <a:xfrm>
+            <a:off x="2917124" y="2546870"/>
+            <a:ext cx="1323049" cy="346760"/>
           </a:xfrm>
           <a:prstGeom prst="rect">
             <a:avLst/>
@@ -3639,12 +3935,27 @@
           <a:p>
             <a:pPr algn="ctr"/>
             <a:r>
-              <a:rPr lang="en-US" sz="1050" dirty="0" err="1" smtClean="0">
+              <a:rPr lang="en-US" sz="1050" dirty="0">
                 <a:solidFill>
                   <a:schemeClr val="bg1"/>
                 </a:solidFill>
               </a:rPr>
-              <a:t>StorageManager</a:t>
+              <a:t>&lt;&lt;interface&gt;&gt;</a:t>
+            </a:r>
+            <a:br>
+              <a:rPr lang="en-US" sz="1050" dirty="0">
+                <a:solidFill>
+                  <a:schemeClr val="bg1"/>
+                </a:solidFill>
+              </a:rPr>
+            </a:br>
+            <a:r>
+              <a:rPr lang="en-US" sz="1050" dirty="0" err="1">
+                <a:solidFill>
+                  <a:schemeClr val="bg1"/>
+                </a:solidFill>
+              </a:rPr>
+              <a:t>ClubBookStorage</a:t>
             </a:r>
             <a:endParaRPr lang="en-SG" sz="1050" dirty="0">
               <a:solidFill>
@@ -3656,13 +3967,13 @@
       </p:sp>
       <p:sp>
         <p:nvSpPr>
-          <p:cNvPr id="119" name="Rectangle 62"/>
+          <p:cNvPr id="9" name="Rectangle 62"/>
           <p:cNvSpPr/>
           <p:nvPr/>
         </p:nvSpPr>
         <p:spPr>
           <a:xfrm rot="16200000">
-            <a:off x="956202" y="2861202"/>
+            <a:off x="1683963" y="2868687"/>
             <a:ext cx="1093635" cy="346760"/>
           </a:xfrm>
           <a:prstGeom prst="rect">
@@ -3702,6 +4013,69 @@
           <a:p>
             <a:pPr algn="ctr"/>
             <a:r>
+              <a:rPr lang="en-US" sz="1050" dirty="0" err="1">
+                <a:solidFill>
+                  <a:schemeClr val="bg1"/>
+                </a:solidFill>
+              </a:rPr>
+              <a:t>StorageManager</a:t>
+            </a:r>
+            <a:endParaRPr lang="en-SG" sz="1050" dirty="0">
+              <a:solidFill>
+                <a:schemeClr val="bg1"/>
+              </a:solidFill>
+            </a:endParaRPr>
+          </a:p>
+        </p:txBody>
+      </p:sp>
+      <p:sp>
+        <p:nvSpPr>
+          <p:cNvPr id="119" name="Rectangle 62"/>
+          <p:cNvSpPr/>
+          <p:nvPr/>
+        </p:nvSpPr>
+        <p:spPr>
+          <a:xfrm rot="16200000">
+            <a:off x="956202" y="2861202"/>
+            <a:ext cx="1093635" cy="346760"/>
+          </a:xfrm>
+          <a:prstGeom prst="rect">
+            <a:avLst/>
+          </a:prstGeom>
+          <a:solidFill>
+            <a:schemeClr val="accent6">
+              <a:lumMod val="75000"/>
+            </a:schemeClr>
+          </a:solidFill>
+          <a:ln w="19050">
+            <a:solidFill>
+              <a:schemeClr val="accent6">
+                <a:lumMod val="75000"/>
+              </a:schemeClr>
+            </a:solidFill>
+          </a:ln>
+          <a:effectLst/>
+        </p:spPr>
+        <p:style>
+          <a:lnRef idx="1">
+            <a:schemeClr val="accent2"/>
+          </a:lnRef>
+          <a:fillRef idx="2">
+            <a:schemeClr val="accent2"/>
+          </a:fillRef>
+          <a:effectRef idx="1">
+            <a:schemeClr val="accent2"/>
+          </a:effectRef>
+          <a:fontRef idx="minor">
+            <a:schemeClr val="dk1"/>
+          </a:fontRef>
+        </p:style>
+        <p:txBody>
+          <a:bodyPr rtlCol="0" anchor="ctr"/>
+          <a:lstStyle/>
+          <a:p>
+            <a:pPr algn="ctr"/>
+            <a:r>
               <a:rPr lang="en-US" sz="1050" dirty="0">
                 <a:solidFill>
                   <a:schemeClr val="bg1"/>
@@ -3713,7 +4087,7 @@
           <a:p>
             <a:pPr algn="ctr"/>
             <a:r>
-              <a:rPr lang="en-US" sz="1050" dirty="0" smtClean="0">
+              <a:rPr lang="en-US" sz="1050" dirty="0">
                 <a:solidFill>
                   <a:schemeClr val="bg1"/>
                 </a:solidFill>
@@ -3785,49 +4159,6 @@
       </p:sp>
       <p:cxnSp>
         <p:nvCxnSpPr>
-          <p:cNvPr id="58" name="Straight Arrow Connector 57"/>
-          <p:cNvCxnSpPr>
-            <a:stCxn id="42" idx="3"/>
-            <a:endCxn id="2" idx="1"/>
-          </p:cNvCxnSpPr>
-          <p:nvPr/>
-        </p:nvCxnSpPr>
-        <p:spPr>
-          <a:xfrm>
-            <a:off x="2656370" y="3326536"/>
-            <a:ext cx="220810" cy="5284"/>
-          </a:xfrm>
-          <a:prstGeom prst="straightConnector1">
-            <a:avLst/>
-          </a:prstGeom>
-          <a:ln w="19050">
-            <a:solidFill>
-              <a:schemeClr val="accent6">
-                <a:lumMod val="75000"/>
-              </a:schemeClr>
-            </a:solidFill>
-            <a:headEnd type="none" w="med" len="med"/>
-            <a:tailEnd type="arrow" w="med" len="med"/>
-          </a:ln>
-          <a:effectLst/>
-        </p:spPr>
-        <p:style>
-          <a:lnRef idx="1">
-            <a:schemeClr val="accent2"/>
-          </a:lnRef>
-          <a:fillRef idx="2">
-            <a:schemeClr val="accent2"/>
-          </a:fillRef>
-          <a:effectRef idx="1">
-            <a:schemeClr val="accent2"/>
-          </a:effectRef>
-          <a:fontRef idx="minor">
-            <a:schemeClr val="dk1"/>
-          </a:fontRef>
-        </p:style>
-      </p:cxnSp>
-      <p:cxnSp>
-        <p:nvCxnSpPr>
           <p:cNvPr id="75" name="Elbow Connector 122"/>
           <p:cNvCxnSpPr/>
           <p:nvPr/>
@@ -3920,7 +4251,7 @@
         </p:nvSpPr>
         <p:spPr>
           <a:xfrm>
-            <a:off x="2420322" y="3239846"/>
+            <a:off x="2420322" y="2819400"/>
             <a:ext cx="236048" cy="173380"/>
           </a:xfrm>
           <a:prstGeom prst="flowChartDecision">
@@ -3967,14 +4298,14 @@
         <p:nvCxnSpPr>
           <p:cNvPr id="97" name="Elbow Connector 63"/>
           <p:cNvCxnSpPr>
-            <a:stCxn id="99" idx="3"/>
+            <a:cxnSpLocks/>
             <a:endCxn id="50" idx="1"/>
           </p:cNvCxnSpPr>
           <p:nvPr/>
         </p:nvCxnSpPr>
         <p:spPr>
           <a:xfrm flipV="1">
-            <a:off x="4398041" y="3331820"/>
+            <a:off x="4437985" y="2720250"/>
             <a:ext cx="223324" cy="1"/>
           </a:xfrm>
           <a:prstGeom prst="bentConnector3">
@@ -4017,7 +4348,7 @@
         </p:nvSpPr>
         <p:spPr>
           <a:xfrm rot="5400000" flipV="1">
-            <a:off x="4175027" y="3244059"/>
+            <a:off x="4226533" y="2632489"/>
             <a:ext cx="270504" cy="175523"/>
           </a:xfrm>
           <a:prstGeom prst="triangle">
@@ -4075,7 +4406,7 @@
         </p:nvCxnSpPr>
         <p:spPr>
           <a:xfrm>
-            <a:off x="5791200" y="3331820"/>
+            <a:off x="5831144" y="2720250"/>
             <a:ext cx="228600" cy="1970"/>
           </a:xfrm>
           <a:prstGeom prst="bentConnector3">
@@ -4118,7 +4449,7 @@
         </p:nvSpPr>
         <p:spPr>
           <a:xfrm>
-            <a:off x="4621365" y="3158440"/>
+            <a:off x="4661309" y="2546870"/>
             <a:ext cx="1169835" cy="346760"/>
           </a:xfrm>
           <a:prstGeom prst="rect">
@@ -4147,7 +4478,7 @@
           <a:p>
             <a:pPr algn="ctr"/>
             <a:r>
-              <a:rPr lang="en-US" sz="1050" b="1" dirty="0" err="1" smtClean="0">
+              <a:rPr lang="en-US" sz="1050" b="1" dirty="0" err="1">
                 <a:solidFill>
                   <a:schemeClr val="accent6">
                     <a:lumMod val="75000"/>
@@ -4156,18 +4487,8 @@
               </a:rPr>
               <a:t>XmlClubBook</a:t>
             </a:r>
-            <a:r>
-              <a:rPr lang="en-US" sz="1050" b="1" dirty="0" smtClean="0">
-                <a:solidFill>
-                  <a:schemeClr val="accent6">
-                    <a:lumMod val="75000"/>
-                  </a:schemeClr>
-                </a:solidFill>
-              </a:rPr>
-              <a:t/>
-            </a:r>
             <a:br>
-              <a:rPr lang="en-US" sz="1050" b="1" dirty="0" smtClean="0">
+              <a:rPr lang="en-US" sz="1050" b="1" dirty="0">
                 <a:solidFill>
                   <a:schemeClr val="accent6">
                     <a:lumMod val="75000"/>
@@ -4176,7 +4497,7 @@
               </a:rPr>
             </a:br>
             <a:r>
-              <a:rPr lang="en-US" sz="1050" b="1" dirty="0" smtClean="0">
+              <a:rPr lang="en-US" sz="1050" b="1" dirty="0">
                 <a:solidFill>
                   <a:schemeClr val="accent6">
                     <a:lumMod val="75000"/>
@@ -4203,7 +4524,7 @@
         </p:nvSpPr>
         <p:spPr>
           <a:xfrm>
-            <a:off x="2873943" y="2558040"/>
+            <a:off x="2953380" y="1905000"/>
             <a:ext cx="1323049" cy="346760"/>
           </a:xfrm>
           <a:prstGeom prst="rect">
@@ -4243,7 +4564,7 @@
           <a:p>
             <a:pPr algn="ctr"/>
             <a:r>
-              <a:rPr lang="en-US" sz="1050" dirty="0" smtClean="0">
+              <a:rPr lang="en-US" sz="1050" dirty="0">
                 <a:solidFill>
                   <a:schemeClr val="bg1"/>
                 </a:solidFill>
@@ -4251,14 +4572,14 @@
               <a:t>&lt;&lt;interface&gt;&gt;</a:t>
             </a:r>
             <a:br>
-              <a:rPr lang="en-US" sz="1050" dirty="0" smtClean="0">
+              <a:rPr lang="en-US" sz="1050" dirty="0">
                 <a:solidFill>
                   <a:schemeClr val="bg1"/>
                 </a:solidFill>
               </a:rPr>
             </a:br>
             <a:r>
-              <a:rPr lang="en-US" sz="1050" dirty="0" err="1" smtClean="0">
+              <a:rPr lang="en-US" sz="1050" dirty="0" err="1">
                 <a:solidFill>
                   <a:schemeClr val="bg1"/>
                 </a:solidFill>
@@ -4273,49 +4594,6 @@
           </a:p>
         </p:txBody>
       </p:sp>
-      <p:cxnSp>
-        <p:nvCxnSpPr>
-          <p:cNvPr id="54" name="Straight Arrow Connector 53"/>
-          <p:cNvCxnSpPr>
-            <a:stCxn id="56" idx="3"/>
-            <a:endCxn id="52" idx="1"/>
-          </p:cNvCxnSpPr>
-          <p:nvPr/>
-        </p:nvCxnSpPr>
-        <p:spPr>
-          <a:xfrm>
-            <a:off x="2653133" y="2726136"/>
-            <a:ext cx="220810" cy="5284"/>
-          </a:xfrm>
-          <a:prstGeom prst="straightConnector1">
-            <a:avLst/>
-          </a:prstGeom>
-          <a:ln w="19050">
-            <a:solidFill>
-              <a:schemeClr val="accent6">
-                <a:lumMod val="75000"/>
-              </a:schemeClr>
-            </a:solidFill>
-            <a:headEnd type="none" w="med" len="med"/>
-            <a:tailEnd type="arrow" w="med" len="med"/>
-          </a:ln>
-          <a:effectLst/>
-        </p:spPr>
-        <p:style>
-          <a:lnRef idx="1">
-            <a:schemeClr val="accent2"/>
-          </a:lnRef>
-          <a:fillRef idx="2">
-            <a:schemeClr val="accent2"/>
-          </a:fillRef>
-          <a:effectRef idx="1">
-            <a:schemeClr val="accent2"/>
-          </a:effectRef>
-          <a:fontRef idx="minor">
-            <a:schemeClr val="dk1"/>
-          </a:fontRef>
-        </p:style>
-      </p:cxnSp>
       <p:sp>
         <p:nvSpPr>
           <p:cNvPr id="56" name="Flowchart: Decision 96"/>
@@ -4324,7 +4602,7 @@
         </p:nvSpPr>
         <p:spPr>
           <a:xfrm>
-            <a:off x="2417085" y="2639446"/>
+            <a:off x="2417085" y="2514600"/>
             <a:ext cx="236048" cy="173380"/>
           </a:xfrm>
           <a:prstGeom prst="flowChartDecision">
@@ -4378,7 +4656,7 @@
         </p:nvCxnSpPr>
         <p:spPr>
           <a:xfrm flipV="1">
-            <a:off x="4394804" y="2731420"/>
+            <a:off x="4474241" y="2078380"/>
             <a:ext cx="223324" cy="1"/>
           </a:xfrm>
           <a:prstGeom prst="bentConnector3">
@@ -4421,7 +4699,7 @@
         </p:nvSpPr>
         <p:spPr>
           <a:xfrm rot="5400000" flipV="1">
-            <a:off x="4171790" y="2643659"/>
+            <a:off x="4251227" y="1990619"/>
             <a:ext cx="270504" cy="175523"/>
           </a:xfrm>
           <a:prstGeom prst="triangle">
@@ -4476,7 +4754,7 @@
         </p:nvSpPr>
         <p:spPr>
           <a:xfrm>
-            <a:off x="4618128" y="2558040"/>
+            <a:off x="4697565" y="1905000"/>
             <a:ext cx="1093635" cy="346760"/>
           </a:xfrm>
           <a:prstGeom prst="rect">
@@ -4516,30 +4794,22 @@
           <a:p>
             <a:pPr algn="ctr"/>
             <a:r>
-              <a:rPr lang="en-US" sz="1050" dirty="0" err="1" smtClean="0">
+              <a:rPr lang="en-US" sz="1050" dirty="0" err="1">
                 <a:solidFill>
                   <a:schemeClr val="bg1"/>
                 </a:solidFill>
               </a:rPr>
               <a:t>JsonUserPrefs</a:t>
             </a:r>
-            <a:r>
-              <a:rPr lang="en-US" sz="1050" dirty="0" smtClean="0">
-                <a:solidFill>
-                  <a:schemeClr val="bg1"/>
-                </a:solidFill>
-              </a:rPr>
-              <a:t/>
-            </a:r>
             <a:br>
-              <a:rPr lang="en-US" sz="1050" dirty="0" smtClean="0">
+              <a:rPr lang="en-US" sz="1050" dirty="0">
                 <a:solidFill>
                   <a:schemeClr val="bg1"/>
                 </a:solidFill>
               </a:rPr>
             </a:br>
             <a:r>
-              <a:rPr lang="en-US" sz="1050" dirty="0" smtClean="0">
+              <a:rPr lang="en-US" sz="1050" dirty="0">
                 <a:solidFill>
                   <a:schemeClr val="bg1"/>
                 </a:solidFill>
@@ -4562,7 +4832,7 @@
         </p:nvSpPr>
         <p:spPr>
           <a:xfrm>
-            <a:off x="6019800" y="3160410"/>
+            <a:off x="6059744" y="2548840"/>
             <a:ext cx="1200707" cy="346760"/>
           </a:xfrm>
           <a:prstGeom prst="rect">
@@ -4591,7 +4861,7 @@
           <a:p>
             <a:pPr algn="ctr"/>
             <a:r>
-              <a:rPr lang="en-US" sz="1050" b="1" dirty="0" err="1" smtClean="0">
+              <a:rPr lang="en-US" sz="1050" b="1" dirty="0" err="1">
                 <a:solidFill>
                   <a:schemeClr val="accent6">
                     <a:lumMod val="75000"/>
@@ -4600,18 +4870,8 @@
               </a:rPr>
               <a:t>XmlSerializable</a:t>
             </a:r>
-            <a:r>
-              <a:rPr lang="en-US" sz="1050" b="1" dirty="0" smtClean="0">
-                <a:solidFill>
-                  <a:schemeClr val="accent6">
-                    <a:lumMod val="75000"/>
-                  </a:schemeClr>
-                </a:solidFill>
-              </a:rPr>
-              <a:t/>
-            </a:r>
             <a:br>
-              <a:rPr lang="en-US" sz="1050" b="1" dirty="0" smtClean="0">
+              <a:rPr lang="en-US" sz="1050" b="1" dirty="0">
                 <a:solidFill>
                   <a:schemeClr val="accent6">
                     <a:lumMod val="75000"/>
@@ -4620,7 +4880,7 @@
               </a:rPr>
             </a:br>
             <a:r>
-              <a:rPr lang="en-US" sz="1050" b="1" dirty="0" err="1" smtClean="0">
+              <a:rPr lang="en-US" sz="1050" b="1" dirty="0" err="1">
                 <a:solidFill>
                   <a:schemeClr val="accent6">
                     <a:lumMod val="75000"/>
@@ -4650,7 +4910,7 @@
         </p:nvCxnSpPr>
         <p:spPr>
           <a:xfrm rot="5400000" flipH="1" flipV="1">
-            <a:off x="8077993" y="2992020"/>
+            <a:off x="8117937" y="2380450"/>
             <a:ext cx="335208" cy="12700"/>
           </a:xfrm>
           <a:prstGeom prst="bentConnector3">
@@ -4688,7 +4948,7 @@
         </p:nvSpPr>
         <p:spPr>
           <a:xfrm>
-            <a:off x="7615738" y="2477656"/>
+            <a:off x="7655682" y="1866086"/>
             <a:ext cx="1259718" cy="346760"/>
           </a:xfrm>
           <a:prstGeom prst="rect">
@@ -4717,7 +4977,7 @@
           <a:p>
             <a:pPr algn="ctr"/>
             <a:r>
-              <a:rPr lang="en-US" sz="1050" b="1" dirty="0" err="1" smtClean="0">
+              <a:rPr lang="en-US" sz="1050" b="1" dirty="0" err="1">
                 <a:solidFill>
                   <a:schemeClr val="accent6">
                     <a:lumMod val="75000"/>
@@ -4744,7 +5004,7 @@
         </p:nvSpPr>
         <p:spPr>
           <a:xfrm>
-            <a:off x="7615738" y="3159624"/>
+            <a:off x="7655682" y="2548054"/>
             <a:ext cx="1259718" cy="346760"/>
           </a:xfrm>
           <a:prstGeom prst="rect">
@@ -4773,7 +5033,7 @@
           <a:p>
             <a:pPr algn="ctr"/>
             <a:r>
-              <a:rPr lang="en-US" sz="1050" b="1" dirty="0" err="1" smtClean="0">
+              <a:rPr lang="en-US" sz="1050" b="1" dirty="0" err="1">
                 <a:solidFill>
                   <a:schemeClr val="accent6">
                     <a:lumMod val="75000"/>
@@ -4782,7 +5042,7 @@
               </a:rPr>
               <a:t>XmlAdapted</a:t>
             </a:r>
-            <a:endParaRPr lang="en-US" sz="1050" b="1" smtClean="0">
+            <a:endParaRPr lang="en-US" sz="1050" b="1">
               <a:solidFill>
                 <a:schemeClr val="accent6">
                   <a:lumMod val="75000"/>
@@ -4793,7 +5053,7 @@
           <a:p>
             <a:pPr algn="ctr"/>
             <a:r>
-              <a:rPr lang="en-US" sz="1050" b="1" smtClean="0">
+              <a:rPr lang="en-US" sz="1050" b="1">
                 <a:solidFill>
                   <a:schemeClr val="accent6">
                     <a:lumMod val="75000"/>
@@ -4823,7 +5083,7 @@
         </p:nvCxnSpPr>
         <p:spPr>
           <a:xfrm flipV="1">
-            <a:off x="7220507" y="3333004"/>
+            <a:off x="7260451" y="2721434"/>
             <a:ext cx="395231" cy="786"/>
           </a:xfrm>
           <a:prstGeom prst="bentConnector3">
@@ -4853,6 +5113,663 @@
           </a:fontRef>
         </p:style>
       </p:cxnSp>
+      <p:cxnSp>
+        <p:nvCxnSpPr>
+          <p:cNvPr id="5" name="Connector: Elbow 4">
+            <a:extLst>
+              <a:ext uri="{FF2B5EF4-FFF2-40B4-BE49-F238E27FC236}">
+                <a16:creationId xmlns:a16="http://schemas.microsoft.com/office/drawing/2014/main" id="{CA930B4C-BB2F-4F97-BD47-F3C31ABCF301}"/>
+              </a:ext>
+            </a:extLst>
+          </p:cNvPr>
+          <p:cNvCxnSpPr>
+            <a:stCxn id="56" idx="3"/>
+            <a:endCxn id="52" idx="1"/>
+          </p:cNvCxnSpPr>
+          <p:nvPr/>
+        </p:nvCxnSpPr>
+        <p:spPr>
+          <a:xfrm flipV="1">
+            <a:off x="2653133" y="2078380"/>
+            <a:ext cx="300247" cy="522910"/>
+          </a:xfrm>
+          <a:prstGeom prst="bentConnector3">
+            <a:avLst/>
+          </a:prstGeom>
+          <a:ln>
+            <a:solidFill>
+              <a:schemeClr val="accent6">
+                <a:lumMod val="75000"/>
+              </a:schemeClr>
+            </a:solidFill>
+          </a:ln>
+        </p:spPr>
+        <p:style>
+          <a:lnRef idx="1">
+            <a:schemeClr val="accent6"/>
+          </a:lnRef>
+          <a:fillRef idx="0">
+            <a:schemeClr val="accent6"/>
+          </a:fillRef>
+          <a:effectRef idx="0">
+            <a:schemeClr val="accent6"/>
+          </a:effectRef>
+          <a:fontRef idx="minor">
+            <a:schemeClr val="tx1"/>
+          </a:fontRef>
+        </p:style>
+      </p:cxnSp>
+      <p:cxnSp>
+        <p:nvCxnSpPr>
+          <p:cNvPr id="11" name="Connector: Elbow 10">
+            <a:extLst>
+              <a:ext uri="{FF2B5EF4-FFF2-40B4-BE49-F238E27FC236}">
+                <a16:creationId xmlns:a16="http://schemas.microsoft.com/office/drawing/2014/main" id="{6E51CA47-9529-436E-A34C-5366A069EC0A}"/>
+              </a:ext>
+            </a:extLst>
+          </p:cNvPr>
+          <p:cNvCxnSpPr>
+            <a:stCxn id="42" idx="3"/>
+          </p:cNvCxnSpPr>
+          <p:nvPr/>
+        </p:nvCxnSpPr>
+        <p:spPr>
+          <a:xfrm flipV="1">
+            <a:off x="2656370" y="2720250"/>
+            <a:ext cx="260754" cy="185840"/>
+          </a:xfrm>
+          <a:prstGeom prst="bentConnector3">
+            <a:avLst/>
+          </a:prstGeom>
+          <a:ln>
+            <a:solidFill>
+              <a:schemeClr val="accent6">
+                <a:lumMod val="75000"/>
+              </a:schemeClr>
+            </a:solidFill>
+          </a:ln>
+        </p:spPr>
+        <p:style>
+          <a:lnRef idx="1">
+            <a:schemeClr val="accent6"/>
+          </a:lnRef>
+          <a:fillRef idx="0">
+            <a:schemeClr val="accent6"/>
+          </a:fillRef>
+          <a:effectRef idx="0">
+            <a:schemeClr val="accent6"/>
+          </a:effectRef>
+          <a:fontRef idx="minor">
+            <a:schemeClr val="tx1"/>
+          </a:fontRef>
+        </p:style>
+      </p:cxnSp>
+      <p:sp>
+        <p:nvSpPr>
+          <p:cNvPr id="40" name="Rectangle 8">
+            <a:extLst>
+              <a:ext uri="{FF2B5EF4-FFF2-40B4-BE49-F238E27FC236}">
+                <a16:creationId xmlns:a16="http://schemas.microsoft.com/office/drawing/2014/main" id="{01C852DB-EA29-4553-833F-DEDCCCC4E3C6}"/>
+              </a:ext>
+            </a:extLst>
+          </p:cNvPr>
+          <p:cNvSpPr/>
+          <p:nvPr/>
+        </p:nvSpPr>
+        <p:spPr>
+          <a:xfrm>
+            <a:off x="2947865" y="3089761"/>
+            <a:ext cx="1323049" cy="346760"/>
+          </a:xfrm>
+          <a:prstGeom prst="rect">
+            <a:avLst/>
+          </a:prstGeom>
+          <a:solidFill>
+            <a:schemeClr val="accent6">
+              <a:lumMod val="75000"/>
+            </a:schemeClr>
+          </a:solidFill>
+          <a:ln w="19050">
+            <a:solidFill>
+              <a:schemeClr val="accent6">
+                <a:lumMod val="75000"/>
+              </a:schemeClr>
+            </a:solidFill>
+          </a:ln>
+          <a:effectLst/>
+        </p:spPr>
+        <p:style>
+          <a:lnRef idx="1">
+            <a:schemeClr val="accent2"/>
+          </a:lnRef>
+          <a:fillRef idx="2">
+            <a:schemeClr val="accent2"/>
+          </a:fillRef>
+          <a:effectRef idx="1">
+            <a:schemeClr val="accent2"/>
+          </a:effectRef>
+          <a:fontRef idx="minor">
+            <a:schemeClr val="dk1"/>
+          </a:fontRef>
+        </p:style>
+        <p:txBody>
+          <a:bodyPr rtlCol="0" anchor="ctr"/>
+          <a:lstStyle/>
+          <a:p>
+            <a:pPr algn="ctr"/>
+            <a:r>
+              <a:rPr lang="en-US" sz="1050" dirty="0">
+                <a:solidFill>
+                  <a:schemeClr val="bg1"/>
+                </a:solidFill>
+              </a:rPr>
+              <a:t>&lt;&lt;interface&gt;&gt;</a:t>
+            </a:r>
+            <a:br>
+              <a:rPr lang="en-US" sz="1050" dirty="0">
+                <a:solidFill>
+                  <a:schemeClr val="bg1"/>
+                </a:solidFill>
+              </a:rPr>
+            </a:br>
+            <a:r>
+              <a:rPr lang="en-US" sz="1050" dirty="0" err="1">
+                <a:solidFill>
+                  <a:schemeClr val="bg1"/>
+                </a:solidFill>
+              </a:rPr>
+              <a:t>PhotoStorage</a:t>
+            </a:r>
+            <a:endParaRPr lang="en-SG" sz="1050" dirty="0">
+              <a:solidFill>
+                <a:schemeClr val="bg1"/>
+              </a:solidFill>
+            </a:endParaRPr>
+          </a:p>
+        </p:txBody>
+      </p:sp>
+      <p:sp>
+        <p:nvSpPr>
+          <p:cNvPr id="41" name="Flowchart: Decision 96">
+            <a:extLst>
+              <a:ext uri="{FF2B5EF4-FFF2-40B4-BE49-F238E27FC236}">
+                <a16:creationId xmlns:a16="http://schemas.microsoft.com/office/drawing/2014/main" id="{8715FE63-8A76-4283-8ACB-C7259950AC1E}"/>
+              </a:ext>
+            </a:extLst>
+          </p:cNvPr>
+          <p:cNvSpPr/>
+          <p:nvPr/>
+        </p:nvSpPr>
+        <p:spPr>
+          <a:xfrm>
+            <a:off x="2414055" y="3089761"/>
+            <a:ext cx="236048" cy="173380"/>
+          </a:xfrm>
+          <a:prstGeom prst="flowChartDecision">
+            <a:avLst/>
+          </a:prstGeom>
+          <a:noFill/>
+          <a:ln w="19050">
+            <a:solidFill>
+              <a:schemeClr val="accent6">
+                <a:lumMod val="75000"/>
+              </a:schemeClr>
+            </a:solidFill>
+          </a:ln>
+          <a:effectLst/>
+        </p:spPr>
+        <p:style>
+          <a:lnRef idx="1">
+            <a:schemeClr val="accent2"/>
+          </a:lnRef>
+          <a:fillRef idx="2">
+            <a:schemeClr val="accent2"/>
+          </a:fillRef>
+          <a:effectRef idx="1">
+            <a:schemeClr val="accent2"/>
+          </a:effectRef>
+          <a:fontRef idx="minor">
+            <a:schemeClr val="dk1"/>
+          </a:fontRef>
+        </p:style>
+        <p:txBody>
+          <a:bodyPr rtlCol="0" anchor="ctr"/>
+          <a:lstStyle/>
+          <a:p>
+            <a:pPr algn="ctr"/>
+            <a:endParaRPr lang="en-US" sz="1050">
+              <a:solidFill>
+                <a:schemeClr val="bg1"/>
+              </a:solidFill>
+            </a:endParaRPr>
+          </a:p>
+        </p:txBody>
+      </p:sp>
+      <p:cxnSp>
+        <p:nvCxnSpPr>
+          <p:cNvPr id="43" name="Elbow Connector 63">
+            <a:extLst>
+              <a:ext uri="{FF2B5EF4-FFF2-40B4-BE49-F238E27FC236}">
+                <a16:creationId xmlns:a16="http://schemas.microsoft.com/office/drawing/2014/main" id="{36B80DD3-7E68-41D6-8037-F0B8B9519363}"/>
+              </a:ext>
+            </a:extLst>
+          </p:cNvPr>
+          <p:cNvCxnSpPr>
+            <a:cxnSpLocks/>
+            <a:endCxn id="45" idx="1"/>
+          </p:cNvCxnSpPr>
+          <p:nvPr/>
+        </p:nvCxnSpPr>
+        <p:spPr>
+          <a:xfrm flipV="1">
+            <a:off x="4434875" y="3241426"/>
+            <a:ext cx="223324" cy="1"/>
+          </a:xfrm>
+          <a:prstGeom prst="bentConnector3">
+            <a:avLst>
+              <a:gd name="adj1" fmla="val 50000"/>
+            </a:avLst>
+          </a:prstGeom>
+          <a:ln w="19050">
+            <a:solidFill>
+              <a:schemeClr val="accent6">
+                <a:lumMod val="75000"/>
+              </a:schemeClr>
+            </a:solidFill>
+            <a:prstDash val="sysDot"/>
+            <a:headEnd type="none" w="med" len="med"/>
+            <a:tailEnd type="none" w="med" len="med"/>
+          </a:ln>
+          <a:effectLst/>
+        </p:spPr>
+        <p:style>
+          <a:lnRef idx="1">
+            <a:schemeClr val="accent2"/>
+          </a:lnRef>
+          <a:fillRef idx="2">
+            <a:schemeClr val="accent2"/>
+          </a:fillRef>
+          <a:effectRef idx="1">
+            <a:schemeClr val="accent2"/>
+          </a:effectRef>
+          <a:fontRef idx="minor">
+            <a:schemeClr val="dk1"/>
+          </a:fontRef>
+        </p:style>
+      </p:cxnSp>
+      <p:sp>
+        <p:nvSpPr>
+          <p:cNvPr id="44" name="Isosceles Triangle 102">
+            <a:extLst>
+              <a:ext uri="{FF2B5EF4-FFF2-40B4-BE49-F238E27FC236}">
+                <a16:creationId xmlns:a16="http://schemas.microsoft.com/office/drawing/2014/main" id="{D2E1C59D-F091-427B-9231-D0276C525419}"/>
+              </a:ext>
+            </a:extLst>
+          </p:cNvPr>
+          <p:cNvSpPr/>
+          <p:nvPr/>
+        </p:nvSpPr>
+        <p:spPr>
+          <a:xfrm rot="5400000" flipV="1">
+            <a:off x="4233083" y="3145707"/>
+            <a:ext cx="270504" cy="175523"/>
+          </a:xfrm>
+          <a:prstGeom prst="triangle">
+            <a:avLst/>
+          </a:prstGeom>
+          <a:solidFill>
+            <a:schemeClr val="accent6">
+              <a:lumMod val="75000"/>
+            </a:schemeClr>
+          </a:solidFill>
+          <a:ln w="19050">
+            <a:solidFill>
+              <a:schemeClr val="accent6">
+                <a:lumMod val="75000"/>
+              </a:schemeClr>
+            </a:solidFill>
+          </a:ln>
+          <a:effectLst/>
+        </p:spPr>
+        <p:style>
+          <a:lnRef idx="1">
+            <a:schemeClr val="accent2"/>
+          </a:lnRef>
+          <a:fillRef idx="2">
+            <a:schemeClr val="accent2"/>
+          </a:fillRef>
+          <a:effectRef idx="1">
+            <a:schemeClr val="accent2"/>
+          </a:effectRef>
+          <a:fontRef idx="minor">
+            <a:schemeClr val="dk1"/>
+          </a:fontRef>
+        </p:style>
+        <p:txBody>
+          <a:bodyPr rtlCol="0" anchor="ctr"/>
+          <a:lstStyle/>
+          <a:p>
+            <a:pPr algn="ctr"/>
+            <a:endParaRPr lang="en-SG" sz="1050">
+              <a:solidFill>
+                <a:schemeClr val="bg1"/>
+              </a:solidFill>
+            </a:endParaRPr>
+          </a:p>
+        </p:txBody>
+      </p:sp>
+      <p:sp>
+        <p:nvSpPr>
+          <p:cNvPr id="45" name="Rectangle 8">
+            <a:extLst>
+              <a:ext uri="{FF2B5EF4-FFF2-40B4-BE49-F238E27FC236}">
+                <a16:creationId xmlns:a16="http://schemas.microsoft.com/office/drawing/2014/main" id="{CDF93EC8-3FFD-4384-B01C-28989957A690}"/>
+              </a:ext>
+            </a:extLst>
+          </p:cNvPr>
+          <p:cNvSpPr/>
+          <p:nvPr/>
+        </p:nvSpPr>
+        <p:spPr>
+          <a:xfrm>
+            <a:off x="4658199" y="3068046"/>
+            <a:ext cx="1169835" cy="346760"/>
+          </a:xfrm>
+          <a:prstGeom prst="rect">
+            <a:avLst/>
+          </a:prstGeom>
+          <a:ln w="19050"/>
+          <a:effectLst/>
+        </p:spPr>
+        <p:style>
+          <a:lnRef idx="1">
+            <a:schemeClr val="accent6"/>
+          </a:lnRef>
+          <a:fillRef idx="2">
+            <a:schemeClr val="accent6"/>
+          </a:fillRef>
+          <a:effectRef idx="1">
+            <a:schemeClr val="accent6"/>
+          </a:effectRef>
+          <a:fontRef idx="minor">
+            <a:schemeClr val="dk1"/>
+          </a:fontRef>
+        </p:style>
+        <p:txBody>
+          <a:bodyPr rtlCol="0" anchor="ctr"/>
+          <a:lstStyle/>
+          <a:p>
+            <a:pPr algn="ctr"/>
+            <a:r>
+              <a:rPr lang="en-US" sz="1050" b="1" dirty="0" err="1">
+                <a:solidFill>
+                  <a:schemeClr val="accent6">
+                    <a:lumMod val="75000"/>
+                  </a:schemeClr>
+                </a:solidFill>
+              </a:rPr>
+              <a:t>ProfilePhoto</a:t>
+            </a:r>
+            <a:br>
+              <a:rPr lang="en-US" sz="1050" b="1" dirty="0">
+                <a:solidFill>
+                  <a:schemeClr val="accent6">
+                    <a:lumMod val="75000"/>
+                  </a:schemeClr>
+                </a:solidFill>
+              </a:rPr>
+            </a:br>
+            <a:r>
+              <a:rPr lang="en-US" sz="1050" b="1" dirty="0">
+                <a:solidFill>
+                  <a:schemeClr val="accent6">
+                    <a:lumMod val="75000"/>
+                  </a:schemeClr>
+                </a:solidFill>
+              </a:rPr>
+              <a:t>Storage</a:t>
+            </a:r>
+            <a:endParaRPr lang="en-SG" sz="1050" b="1" dirty="0">
+              <a:solidFill>
+                <a:schemeClr val="accent6">
+                  <a:lumMod val="75000"/>
+                </a:schemeClr>
+              </a:solidFill>
+            </a:endParaRPr>
+          </a:p>
+        </p:txBody>
+      </p:sp>
+      <p:cxnSp>
+        <p:nvCxnSpPr>
+          <p:cNvPr id="46" name="Connector: Elbow 45">
+            <a:extLst>
+              <a:ext uri="{FF2B5EF4-FFF2-40B4-BE49-F238E27FC236}">
+                <a16:creationId xmlns:a16="http://schemas.microsoft.com/office/drawing/2014/main" id="{42615799-AF94-4268-AAB9-8255636F37B4}"/>
+              </a:ext>
+            </a:extLst>
+          </p:cNvPr>
+          <p:cNvCxnSpPr>
+            <a:cxnSpLocks/>
+            <a:stCxn id="41" idx="3"/>
+            <a:endCxn id="40" idx="1"/>
+          </p:cNvCxnSpPr>
+          <p:nvPr/>
+        </p:nvCxnSpPr>
+        <p:spPr>
+          <a:xfrm>
+            <a:off x="2650103" y="3176451"/>
+            <a:ext cx="297762" cy="86690"/>
+          </a:xfrm>
+          <a:prstGeom prst="bentConnector3">
+            <a:avLst/>
+          </a:prstGeom>
+          <a:ln>
+            <a:solidFill>
+              <a:schemeClr val="accent6">
+                <a:lumMod val="75000"/>
+              </a:schemeClr>
+            </a:solidFill>
+          </a:ln>
+        </p:spPr>
+        <p:style>
+          <a:lnRef idx="1">
+            <a:schemeClr val="accent6"/>
+          </a:lnRef>
+          <a:fillRef idx="0">
+            <a:schemeClr val="accent6"/>
+          </a:fillRef>
+          <a:effectRef idx="0">
+            <a:schemeClr val="accent6"/>
+          </a:effectRef>
+          <a:fontRef idx="minor">
+            <a:schemeClr val="tx1"/>
+          </a:fontRef>
+        </p:style>
+      </p:cxnSp>
+      <p:sp>
+        <p:nvSpPr>
+          <p:cNvPr id="59" name="Flowchart: Decision 96">
+            <a:extLst>
+              <a:ext uri="{FF2B5EF4-FFF2-40B4-BE49-F238E27FC236}">
+                <a16:creationId xmlns:a16="http://schemas.microsoft.com/office/drawing/2014/main" id="{EA4B92DB-6780-4442-9D46-DE63DBC31466}"/>
+              </a:ext>
+            </a:extLst>
+          </p:cNvPr>
+          <p:cNvSpPr/>
+          <p:nvPr/>
+        </p:nvSpPr>
+        <p:spPr>
+          <a:xfrm>
+            <a:off x="2410623" y="3388835"/>
+            <a:ext cx="236048" cy="173380"/>
+          </a:xfrm>
+          <a:prstGeom prst="flowChartDecision">
+            <a:avLst/>
+          </a:prstGeom>
+          <a:noFill/>
+          <a:ln w="19050">
+            <a:solidFill>
+              <a:schemeClr val="accent6">
+                <a:lumMod val="75000"/>
+              </a:schemeClr>
+            </a:solidFill>
+          </a:ln>
+          <a:effectLst/>
+        </p:spPr>
+        <p:style>
+          <a:lnRef idx="1">
+            <a:schemeClr val="accent2"/>
+          </a:lnRef>
+          <a:fillRef idx="2">
+            <a:schemeClr val="accent2"/>
+          </a:fillRef>
+          <a:effectRef idx="1">
+            <a:schemeClr val="accent2"/>
+          </a:effectRef>
+          <a:fontRef idx="minor">
+            <a:schemeClr val="dk1"/>
+          </a:fontRef>
+        </p:style>
+        <p:txBody>
+          <a:bodyPr rtlCol="0" anchor="ctr"/>
+          <a:lstStyle/>
+          <a:p>
+            <a:pPr algn="ctr"/>
+            <a:endParaRPr lang="en-US" sz="1050">
+              <a:solidFill>
+                <a:schemeClr val="bg1"/>
+              </a:solidFill>
+            </a:endParaRPr>
+          </a:p>
+        </p:txBody>
+      </p:sp>
+      <p:sp>
+        <p:nvSpPr>
+          <p:cNvPr id="62" name="Rectangle 8">
+            <a:extLst>
+              <a:ext uri="{FF2B5EF4-FFF2-40B4-BE49-F238E27FC236}">
+                <a16:creationId xmlns:a16="http://schemas.microsoft.com/office/drawing/2014/main" id="{3E05F04B-C7AD-4814-ABB1-5E77697DF325}"/>
+              </a:ext>
+            </a:extLst>
+          </p:cNvPr>
+          <p:cNvSpPr/>
+          <p:nvPr/>
+        </p:nvSpPr>
+        <p:spPr>
+          <a:xfrm>
+            <a:off x="2944965" y="3581400"/>
+            <a:ext cx="1323049" cy="346760"/>
+          </a:xfrm>
+          <a:prstGeom prst="rect">
+            <a:avLst/>
+          </a:prstGeom>
+          <a:ln w="19050"/>
+          <a:effectLst/>
+        </p:spPr>
+        <p:style>
+          <a:lnRef idx="1">
+            <a:schemeClr val="accent6"/>
+          </a:lnRef>
+          <a:fillRef idx="2">
+            <a:schemeClr val="accent6"/>
+          </a:fillRef>
+          <a:effectRef idx="1">
+            <a:schemeClr val="accent6"/>
+          </a:effectRef>
+          <a:fontRef idx="minor">
+            <a:schemeClr val="dk1"/>
+          </a:fontRef>
+        </p:style>
+        <p:txBody>
+          <a:bodyPr rtlCol="0" anchor="ctr"/>
+          <a:lstStyle/>
+          <a:p>
+            <a:pPr algn="ctr"/>
+            <a:r>
+              <a:rPr lang="en-US" sz="1050" b="1" dirty="0" err="1">
+                <a:solidFill>
+                  <a:schemeClr val="accent6">
+                    <a:lumMod val="75000"/>
+                  </a:schemeClr>
+                </a:solidFill>
+              </a:rPr>
+              <a:t>CsvClubBook</a:t>
+            </a:r>
+            <a:br>
+              <a:rPr lang="en-US" sz="1050" b="1" dirty="0">
+                <a:solidFill>
+                  <a:schemeClr val="accent6">
+                    <a:lumMod val="75000"/>
+                  </a:schemeClr>
+                </a:solidFill>
+              </a:rPr>
+            </a:br>
+            <a:r>
+              <a:rPr lang="en-US" sz="1050" b="1" dirty="0">
+                <a:solidFill>
+                  <a:schemeClr val="accent6">
+                    <a:lumMod val="75000"/>
+                  </a:schemeClr>
+                </a:solidFill>
+              </a:rPr>
+              <a:t>Storage</a:t>
+            </a:r>
+            <a:endParaRPr lang="en-SG" sz="1050" b="1" dirty="0">
+              <a:solidFill>
+                <a:schemeClr val="accent6">
+                  <a:lumMod val="75000"/>
+                </a:schemeClr>
+              </a:solidFill>
+            </a:endParaRPr>
+          </a:p>
+        </p:txBody>
+      </p:sp>
+      <p:cxnSp>
+        <p:nvCxnSpPr>
+          <p:cNvPr id="63" name="Connector: Elbow 62">
+            <a:extLst>
+              <a:ext uri="{FF2B5EF4-FFF2-40B4-BE49-F238E27FC236}">
+                <a16:creationId xmlns:a16="http://schemas.microsoft.com/office/drawing/2014/main" id="{39D79EDE-EB93-40FB-81A6-9F21DE85A067}"/>
+              </a:ext>
+            </a:extLst>
+          </p:cNvPr>
+          <p:cNvCxnSpPr>
+            <a:cxnSpLocks/>
+            <a:endCxn id="62" idx="1"/>
+          </p:cNvCxnSpPr>
+          <p:nvPr/>
+        </p:nvCxnSpPr>
+        <p:spPr>
+          <a:xfrm>
+            <a:off x="2646671" y="3473506"/>
+            <a:ext cx="298294" cy="281274"/>
+          </a:xfrm>
+          <a:prstGeom prst="bentConnector3">
+            <a:avLst/>
+          </a:prstGeom>
+          <a:ln>
+            <a:solidFill>
+              <a:schemeClr val="accent6">
+                <a:lumMod val="75000"/>
+              </a:schemeClr>
+            </a:solidFill>
+          </a:ln>
+        </p:spPr>
+        <p:style>
+          <a:lnRef idx="1">
+            <a:schemeClr val="accent6"/>
+          </a:lnRef>
+          <a:fillRef idx="0">
+            <a:schemeClr val="accent6"/>
+          </a:fillRef>
+          <a:effectRef idx="0">
+            <a:schemeClr val="accent6"/>
+          </a:effectRef>
+          <a:fontRef idx="minor">
+            <a:schemeClr val="tx1"/>
+          </a:fontRef>
+        </p:style>
+      </p:cxnSp>
     </p:spTree>
     <p:extLst>
       <p:ext uri="{BB962C8B-B14F-4D97-AF65-F5344CB8AC3E}">
@@ -4863,13 +5780,6 @@
   <p:clrMapOvr>
     <a:masterClrMapping/>
   </p:clrMapOvr>
-  <p:timing>
-    <p:tnLst>
-      <p:par>
-        <p:cTn id="1" dur="indefinite" restart="never" nodeType="tmRoot"/>
-      </p:par>
-    </p:tnLst>
-  </p:timing>
 </p:sld>
 </file>
 
